--- a/Capstone-Project/SERS_Raman_Pancreatic_Cancer/Capstone_Presentation.pptx
+++ b/Capstone-Project/SERS_Raman_Pancreatic_Cancer/Capstone_Presentation.pptx
@@ -134,6 +134,11 @@
       </a:defRPr>
     </a:lvl9pPr>
   </p:defaultTextStyle>
+  <p:extLst>
+    <p:ext uri="{EFAFB233-063F-42B5-8137-9DF3F51BA10A}">
+      <p15:sldGuideLst xmlns:p15="http://schemas.microsoft.com/office/powerpoint/2012/main"/>
+    </p:ext>
+  </p:extLst>
 </p:presentation>
 </file>
 
@@ -3530,6 +3535,38 @@
             <ac:picMk id="7" creationId="{7B7E6AC7-E8ED-DE5A-5ACA-B5B882DA0224}"/>
           </ac:picMkLst>
         </pc:picChg>
+      </pc:sldChg>
+    </pc:docChg>
+  </pc:docChgLst>
+  <pc:docChgLst>
+    <pc:chgData name="Park, Kiman" userId="cbc96cd9-263b-4246-9080-ed5152535b0e" providerId="ADAL" clId="{D5C15EE0-CA42-44E0-8CA2-4EA8B8F7F611}"/>
+    <pc:docChg chg="modSld">
+      <pc:chgData name="Park, Kiman" userId="cbc96cd9-263b-4246-9080-ed5152535b0e" providerId="ADAL" clId="{D5C15EE0-CA42-44E0-8CA2-4EA8B8F7F611}" dt="2024-05-31T14:29:07.250" v="7" actId="113"/>
+      <pc:docMkLst>
+        <pc:docMk/>
+      </pc:docMkLst>
+      <pc:sldChg chg="modSp mod">
+        <pc:chgData name="Park, Kiman" userId="cbc96cd9-263b-4246-9080-ed5152535b0e" providerId="ADAL" clId="{D5C15EE0-CA42-44E0-8CA2-4EA8B8F7F611}" dt="2024-05-31T14:29:07.250" v="7" actId="113"/>
+        <pc:sldMkLst>
+          <pc:docMk/>
+          <pc:sldMk cId="3642393130" sldId="256"/>
+        </pc:sldMkLst>
+        <pc:spChg chg="mod">
+          <ac:chgData name="Park, Kiman" userId="cbc96cd9-263b-4246-9080-ed5152535b0e" providerId="ADAL" clId="{D5C15EE0-CA42-44E0-8CA2-4EA8B8F7F611}" dt="2024-05-31T14:29:07.250" v="7" actId="113"/>
+          <ac:spMkLst>
+            <pc:docMk/>
+            <pc:sldMk cId="3642393130" sldId="256"/>
+            <ac:spMk id="2" creationId="{260072BE-8D38-4C72-243B-928AB0557563}"/>
+          </ac:spMkLst>
+        </pc:spChg>
+        <pc:spChg chg="mod">
+          <ac:chgData name="Park, Kiman" userId="cbc96cd9-263b-4246-9080-ed5152535b0e" providerId="ADAL" clId="{D5C15EE0-CA42-44E0-8CA2-4EA8B8F7F611}" dt="2024-05-31T13:26:11.367" v="6" actId="20577"/>
+          <ac:spMkLst>
+            <pc:docMk/>
+            <pc:sldMk cId="3642393130" sldId="256"/>
+            <ac:spMk id="4" creationId="{D5FFED8C-8F74-F703-1BEC-FA01CBCFA07A}"/>
+          </ac:spMkLst>
+        </pc:spChg>
       </pc:sldChg>
     </pc:docChg>
   </pc:docChgLst>
@@ -4313,9 +4350,9 @@
             <c:numRef>
               <c:f>Sheet1!$L$6:$N$6</c:f>
               <c:numCache>
-                <c:formatCode>0.0</c:formatCode>
+                <c:formatCode>General</c:formatCode>
                 <c:ptCount val="3"/>
-                <c:pt idx="2">
+                <c:pt idx="2" formatCode="0.0">
                   <c:v>98.1</c:v>
                 </c:pt>
               </c:numCache>
@@ -4437,9 +4474,9 @@
             <c:numRef>
               <c:f>Sheet1!$L$8:$N$8</c:f>
               <c:numCache>
-                <c:formatCode>0.0</c:formatCode>
+                <c:formatCode>General</c:formatCode>
                 <c:ptCount val="3"/>
-                <c:pt idx="2">
+                <c:pt idx="2" formatCode="0.0">
                   <c:v>73.7</c:v>
                 </c:pt>
               </c:numCache>
@@ -4941,9 +4978,9 @@
             <c:numRef>
               <c:f>Sheet1!$Q$6:$S$6</c:f>
               <c:numCache>
-                <c:formatCode>0.0</c:formatCode>
+                <c:formatCode>General</c:formatCode>
                 <c:ptCount val="3"/>
-                <c:pt idx="2">
+                <c:pt idx="2" formatCode="0.0">
                   <c:v>94.4</c:v>
                 </c:pt>
               </c:numCache>
@@ -5065,9 +5102,9 @@
             <c:numRef>
               <c:f>Sheet1!$Q$8:$S$8</c:f>
               <c:numCache>
-                <c:formatCode>0.0</c:formatCode>
+                <c:formatCode>General</c:formatCode>
                 <c:ptCount val="3"/>
-                <c:pt idx="2">
+                <c:pt idx="2" formatCode="0.0">
                   <c:v>22.7</c:v>
                 </c:pt>
               </c:numCache>
@@ -8419,7 +8456,7 @@
           <a:p>
             <a:fld id="{87264E8B-DF2F-4682-8838-D50D44B49A62}" type="datetimeFigureOut">
               <a:rPr lang="en-US" smtClean="0"/>
-              <a:t>5/29/2024</a:t>
+              <a:t>5/31/2024</a:t>
             </a:fld>
             <a:endParaRPr lang="en-US" dirty="0"/>
           </a:p>
@@ -8917,7 +8954,7 @@
           <a:p>
             <a:fld id="{C11B2D36-EDF3-4FC0-9F23-2A28B370B042}" type="datetimeFigureOut">
               <a:rPr lang="en-US" smtClean="0"/>
-              <a:t>5/28/2024</a:t>
+              <a:t>5/31/2024</a:t>
             </a:fld>
             <a:endParaRPr lang="en-US" dirty="0"/>
           </a:p>
@@ -9115,7 +9152,7 @@
           <a:p>
             <a:fld id="{C11B2D36-EDF3-4FC0-9F23-2A28B370B042}" type="datetimeFigureOut">
               <a:rPr lang="en-US" smtClean="0"/>
-              <a:t>5/28/2024</a:t>
+              <a:t>5/31/2024</a:t>
             </a:fld>
             <a:endParaRPr lang="en-US" dirty="0"/>
           </a:p>
@@ -9323,7 +9360,7 @@
           <a:p>
             <a:fld id="{C11B2D36-EDF3-4FC0-9F23-2A28B370B042}" type="datetimeFigureOut">
               <a:rPr lang="en-US" smtClean="0"/>
-              <a:t>5/28/2024</a:t>
+              <a:t>5/31/2024</a:t>
             </a:fld>
             <a:endParaRPr lang="en-US" dirty="0"/>
           </a:p>
@@ -9521,7 +9558,7 @@
           <a:p>
             <a:fld id="{C11B2D36-EDF3-4FC0-9F23-2A28B370B042}" type="datetimeFigureOut">
               <a:rPr lang="en-US" smtClean="0"/>
-              <a:t>5/28/2024</a:t>
+              <a:t>5/31/2024</a:t>
             </a:fld>
             <a:endParaRPr lang="en-US" dirty="0"/>
           </a:p>
@@ -9796,7 +9833,7 @@
           <a:p>
             <a:fld id="{C11B2D36-EDF3-4FC0-9F23-2A28B370B042}" type="datetimeFigureOut">
               <a:rPr lang="en-US" smtClean="0"/>
-              <a:t>5/28/2024</a:t>
+              <a:t>5/31/2024</a:t>
             </a:fld>
             <a:endParaRPr lang="en-US" dirty="0"/>
           </a:p>
@@ -10061,7 +10098,7 @@
           <a:p>
             <a:fld id="{C11B2D36-EDF3-4FC0-9F23-2A28B370B042}" type="datetimeFigureOut">
               <a:rPr lang="en-US" smtClean="0"/>
-              <a:t>5/28/2024</a:t>
+              <a:t>5/31/2024</a:t>
             </a:fld>
             <a:endParaRPr lang="en-US" dirty="0"/>
           </a:p>
@@ -10473,7 +10510,7 @@
           <a:p>
             <a:fld id="{C11B2D36-EDF3-4FC0-9F23-2A28B370B042}" type="datetimeFigureOut">
               <a:rPr lang="en-US" smtClean="0"/>
-              <a:t>5/28/2024</a:t>
+              <a:t>5/31/2024</a:t>
             </a:fld>
             <a:endParaRPr lang="en-US" dirty="0"/>
           </a:p>
@@ -10614,7 +10651,7 @@
           <a:p>
             <a:fld id="{C11B2D36-EDF3-4FC0-9F23-2A28B370B042}" type="datetimeFigureOut">
               <a:rPr lang="en-US" smtClean="0"/>
-              <a:t>5/28/2024</a:t>
+              <a:t>5/31/2024</a:t>
             </a:fld>
             <a:endParaRPr lang="en-US" dirty="0"/>
           </a:p>
@@ -10727,7 +10764,7 @@
           <a:p>
             <a:fld id="{C11B2D36-EDF3-4FC0-9F23-2A28B370B042}" type="datetimeFigureOut">
               <a:rPr lang="en-US" smtClean="0"/>
-              <a:t>5/28/2024</a:t>
+              <a:t>5/31/2024</a:t>
             </a:fld>
             <a:endParaRPr lang="en-US" dirty="0"/>
           </a:p>
@@ -11038,7 +11075,7 @@
           <a:p>
             <a:fld id="{C11B2D36-EDF3-4FC0-9F23-2A28B370B042}" type="datetimeFigureOut">
               <a:rPr lang="en-US" smtClean="0"/>
-              <a:t>5/28/2024</a:t>
+              <a:t>5/31/2024</a:t>
             </a:fld>
             <a:endParaRPr lang="en-US" dirty="0"/>
           </a:p>
@@ -11326,7 +11363,7 @@
           <a:p>
             <a:fld id="{C11B2D36-EDF3-4FC0-9F23-2A28B370B042}" type="datetimeFigureOut">
               <a:rPr lang="en-US" smtClean="0"/>
-              <a:t>5/28/2024</a:t>
+              <a:t>5/31/2024</a:t>
             </a:fld>
             <a:endParaRPr lang="en-US" dirty="0"/>
           </a:p>
@@ -11567,7 +11604,7 @@
           <a:p>
             <a:fld id="{C11B2D36-EDF3-4FC0-9F23-2A28B370B042}" type="datetimeFigureOut">
               <a:rPr lang="en-US" smtClean="0"/>
-              <a:t>5/28/2024</a:t>
+              <a:t>5/31/2024</a:t>
             </a:fld>
             <a:endParaRPr lang="en-US" dirty="0"/>
           </a:p>
@@ -12045,7 +12082,7 @@
           <a:lstStyle/>
           <a:p>
             <a:r>
-              <a:rPr lang="en-US" sz="4800" dirty="0">
+              <a:rPr lang="en-US" sz="4800" b="1" dirty="0">
                 <a:solidFill>
                   <a:srgbClr val="FF0000"/>
                 </a:solidFill>
@@ -12357,7 +12394,7 @@
                   <a:srgbClr val="00B050"/>
                 </a:solidFill>
               </a:rPr>
-              <a:t>conclusion</a:t>
+              <a:t>Summary</a:t>
             </a:r>
           </a:p>
           <a:p>
